--- a/presentations/7_cases_data.pptx
+++ b/presentations/7_cases_data.pptx
@@ -7089,6 +7089,13 @@
   <p:clrMapOvr>
     <a:masterClrMapping/>
   </p:clrMapOvr>
+  <p:timing>
+    <p:tnLst>
+      <p:par>
+        <p:cTn xmlns:p14="http://schemas.microsoft.com/office/powerpoint/2010/main" id="1" dur="indefinite" restart="never" nodeType="tmRoot"/>
+      </p:par>
+    </p:tnLst>
+  </p:timing>
 </p:sld>
 </file>
 
@@ -7163,7 +7170,16 @@
               <a:rPr lang="en-US" dirty="0" smtClean="0">
                 <a:hlinkClick r:id="rId2"/>
               </a:rPr>
-              <a:t>allstate</a:t>
+              <a:t>all</a:t>
+            </a:r>
+            <a:endParaRPr lang="en-US" dirty="0"/>
+          </a:p>
+          <a:p>
+            <a:r>
+              <a:rPr lang="en-US" dirty="0" smtClean="0">
+                <a:hlinkClick r:id="rId2"/>
+              </a:rPr>
+              <a:t>state</a:t>
             </a:r>
             <a:r>
               <a:rPr lang="en-US" dirty="0" smtClean="0"/>
@@ -7183,6 +7199,13 @@
   <p:clrMapOvr>
     <a:masterClrMapping/>
   </p:clrMapOvr>
+  <p:timing>
+    <p:tnLst>
+      <p:par>
+        <p:cTn xmlns:p14="http://schemas.microsoft.com/office/powerpoint/2010/main" id="1" dur="indefinite" restart="never" nodeType="tmRoot"/>
+      </p:par>
+    </p:tnLst>
+  </p:timing>
 </p:sld>
 </file>
 
@@ -7265,6 +7288,13 @@
   <p:clrMapOvr>
     <a:masterClrMapping/>
   </p:clrMapOvr>
+  <p:timing>
+    <p:tnLst>
+      <p:par>
+        <p:cTn xmlns:p14="http://schemas.microsoft.com/office/powerpoint/2010/main" id="1" dur="indefinite" restart="never" nodeType="tmRoot"/>
+      </p:par>
+    </p:tnLst>
+  </p:timing>
 </p:sld>
 </file>
 
@@ -7380,6 +7410,13 @@
   <p:clrMapOvr>
     <a:masterClrMapping/>
   </p:clrMapOvr>
+  <p:timing>
+    <p:tnLst>
+      <p:par>
+        <p:cTn xmlns:p14="http://schemas.microsoft.com/office/powerpoint/2010/main" id="1" dur="indefinite" restart="never" nodeType="tmRoot"/>
+      </p:par>
+    </p:tnLst>
+  </p:timing>
 </p:sld>
 </file>
 
@@ -7748,6 +7785,13 @@
   <p:clrMapOvr>
     <a:masterClrMapping/>
   </p:clrMapOvr>
+  <p:timing>
+    <p:tnLst>
+      <p:par>
+        <p:cTn xmlns:p14="http://schemas.microsoft.com/office/powerpoint/2010/main" id="1" dur="indefinite" restart="never" nodeType="tmRoot"/>
+      </p:par>
+    </p:tnLst>
+  </p:timing>
 </p:sld>
 </file>
 
@@ -8015,6 +8059,13 @@
   <p:clrMapOvr>
     <a:masterClrMapping/>
   </p:clrMapOvr>
+  <p:timing>
+    <p:tnLst>
+      <p:par>
+        <p:cTn xmlns:p14="http://schemas.microsoft.com/office/powerpoint/2010/main" id="1" dur="indefinite" restart="never" nodeType="tmRoot"/>
+      </p:par>
+    </p:tnLst>
+  </p:timing>
 </p:sld>
 </file>
 
@@ -8345,6 +8396,13 @@
   <p:clrMapOvr>
     <a:masterClrMapping/>
   </p:clrMapOvr>
+  <p:timing>
+    <p:tnLst>
+      <p:par>
+        <p:cTn xmlns:p14="http://schemas.microsoft.com/office/powerpoint/2010/main" id="1" dur="indefinite" restart="never" nodeType="tmRoot"/>
+      </p:par>
+    </p:tnLst>
+  </p:timing>
 </p:sld>
 </file>
 
@@ -8556,6 +8614,13 @@
   <p:clrMapOvr>
     <a:masterClrMapping/>
   </p:clrMapOvr>
+  <p:timing>
+    <p:tnLst>
+      <p:par>
+        <p:cTn xmlns:p14="http://schemas.microsoft.com/office/powerpoint/2010/main" id="1" dur="indefinite" restart="never" nodeType="tmRoot"/>
+      </p:par>
+    </p:tnLst>
+  </p:timing>
 </p:sld>
 </file>
 
